--- a/class 8/lab 29  (Access)/2. Presentation/lab 29.pptx
+++ b/class 8/lab 29  (Access)/2. Presentation/lab 29.pptx
@@ -6,14 +6,13 @@
   </p:sldMasterIdLst>
   <p:sldIdLst>
     <p:sldId id="256" r:id="rId3"/>
-    <p:sldId id="306" r:id="rId4"/>
-    <p:sldId id="326" r:id="rId5"/>
-    <p:sldId id="327" r:id="rId6"/>
-    <p:sldId id="328" r:id="rId7"/>
-    <p:sldId id="329" r:id="rId8"/>
-    <p:sldId id="330" r:id="rId9"/>
-    <p:sldId id="331" r:id="rId10"/>
-    <p:sldId id="308" r:id="rId11"/>
+    <p:sldId id="330" r:id="rId4"/>
+    <p:sldId id="331" r:id="rId5"/>
+    <p:sldId id="333" r:id="rId6"/>
+    <p:sldId id="334" r:id="rId7"/>
+    <p:sldId id="335" r:id="rId8"/>
+    <p:sldId id="336" r:id="rId9"/>
+    <p:sldId id="308" r:id="rId10"/>
   </p:sldIdLst>
   <p:sldSz cx="12192000" cy="6858000"/>
   <p:notesSz cx="7103745" cy="10234295"/>
@@ -3233,26 +3232,9 @@
                 <a:latin typeface="Purisa" panose="02000603000000000000" charset="0"/>
                 <a:cs typeface="Purisa" panose="02000603000000000000" charset="0"/>
               </a:rPr>
-              <a:t> lab 2</a:t>
-            </a:r>
-            <a:r>
-              <a:rPr lang="" altLang="en-US" sz="4800" b="1">
-                <a:solidFill>
-                  <a:schemeClr val="tx1"/>
-                </a:solidFill>
-                <a:effectLst>
-                  <a:outerShdw blurRad="38100" dist="19050" dir="2700000" algn="tl" rotWithShape="0">
-                    <a:schemeClr val="dk1">
-                      <a:alpha val="40000"/>
-                    </a:schemeClr>
-                  </a:outerShdw>
-                </a:effectLst>
-                <a:latin typeface="Purisa" panose="02000603000000000000" charset="0"/>
-                <a:cs typeface="Purisa" panose="02000603000000000000" charset="0"/>
-              </a:rPr>
-              <a:t>9</a:t>
-            </a:r>
-            <a:endParaRPr lang="" altLang="en-US" sz="4800" b="1">
+              <a:t> lab 29</a:t>
+            </a:r>
+            <a:endParaRPr lang="en-US" altLang="en-US" sz="4800" b="1">
               <a:solidFill>
                 <a:schemeClr val="tx1"/>
               </a:solidFill>
@@ -3285,7 +3267,7 @@
         </p:blipFill>
         <p:spPr>
           <a:xfrm rot="20100000">
-            <a:off x="10015855" y="3490595"/>
+            <a:off x="10070465" y="1146810"/>
             <a:ext cx="1080135" cy="1061085"/>
           </a:xfrm>
           <a:prstGeom prst="rect">
@@ -3526,7 +3508,7 @@
           </a:bodyPr>
           <a:p>
             <a:r>
-              <a:rPr lang="en-US" sz="4000">
+              <a:rPr lang="en-US" altLang="en-US" sz="4000">
                 <a:solidFill>
                   <a:schemeClr val="bg1"/>
                 </a:solidFill>
@@ -3538,9 +3520,9 @@
                   </a:outerShdw>
                 </a:effectLst>
               </a:rPr>
-              <a:t>Parameter Queries</a:t>
-            </a:r>
-            <a:endParaRPr lang="en-US" sz="4000">
+              <a:t>Normalization</a:t>
+            </a:r>
+            <a:endParaRPr lang="en-US" altLang="en-US" sz="4000">
               <a:solidFill>
                 <a:schemeClr val="bg1"/>
               </a:solidFill>
@@ -3557,14 +3539,14 @@
       </p:sp>
       <p:sp>
         <p:nvSpPr>
-          <p:cNvPr id="100" name="Text Box 99"/>
+          <p:cNvPr id="3" name="Text Box 2"/>
           <p:cNvSpPr txBox="1"/>
           <p:nvPr/>
         </p:nvSpPr>
         <p:spPr>
           <a:xfrm>
-            <a:off x="1680845" y="2428875"/>
-            <a:ext cx="9262110" cy="2553335"/>
+            <a:off x="6701155" y="2091055"/>
+            <a:ext cx="5080000" cy="2676525"/>
           </a:xfrm>
           <a:prstGeom prst="rect">
             <a:avLst/>
@@ -3575,25 +3557,49 @@
           </a:ln>
         </p:spPr>
         <p:txBody>
-          <a:bodyPr wrap="square">
+          <a:bodyPr>
             <a:spAutoFit/>
           </a:bodyPr>
           <a:p>
             <a:pPr marL="0" indent="0"/>
             <a:r>
-              <a:rPr lang="en-US" sz="3200" b="0">
+              <a:rPr lang="en-US" sz="2800" b="0">
                 <a:latin typeface="Calibri" charset="0"/>
                 <a:cs typeface="SimSun" charset="0"/>
               </a:rPr>
-              <a:t> you can save and run the same query again and again, but when you run the same query again and again by only changing the criteria then you might consider the query to accept parameters</a:t>
-            </a:r>
-            <a:endParaRPr lang="en-US" sz="3200" b="0">
+              <a:t>Database normalization, or simply normalization, is the process of organizing columns (attributes) and tables (relations) of a relational database</a:t>
+            </a:r>
+            <a:endParaRPr lang="en-US" sz="2800" b="0">
               <a:latin typeface="Calibri" charset="0"/>
               <a:cs typeface="SimSun" charset="0"/>
             </a:endParaRPr>
           </a:p>
         </p:txBody>
       </p:sp>
+      <p:pic>
+        <p:nvPicPr>
+          <p:cNvPr id="11" name="Picture 10"/>
+          <p:cNvPicPr>
+            <a:picLocks noChangeAspect="1"/>
+          </p:cNvPicPr>
+          <p:nvPr/>
+        </p:nvPicPr>
+        <p:blipFill>
+          <a:blip r:embed="rId4"/>
+          <a:stretch>
+            <a:fillRect/>
+          </a:stretch>
+        </p:blipFill>
+        <p:spPr>
+          <a:xfrm>
+            <a:off x="228600" y="1981835"/>
+            <a:ext cx="6057265" cy="2964815"/>
+          </a:xfrm>
+          <a:prstGeom prst="rect">
+            <a:avLst/>
+          </a:prstGeom>
+        </p:spPr>
+      </p:pic>
     </p:spTree>
   </p:cSld>
   <p:clrMapOvr>
@@ -3827,7 +3833,7 @@
           </a:bodyPr>
           <a:p>
             <a:r>
-              <a:rPr lang="en-US" altLang="en-US" sz="4000">
+              <a:rPr lang="" altLang="en-US" sz="4000">
                 <a:solidFill>
                   <a:schemeClr val="bg1"/>
                 </a:solidFill>
@@ -3839,9 +3845,9 @@
                   </a:outerShdw>
                 </a:effectLst>
               </a:rPr>
-              <a:t>Example</a:t>
-            </a:r>
-            <a:endParaRPr lang="en-US" altLang="en-US" sz="4000">
+              <a:t>Table Breakdown</a:t>
+            </a:r>
+            <a:endParaRPr lang="" altLang="en-US" sz="4000">
               <a:solidFill>
                 <a:schemeClr val="bg1"/>
               </a:solidFill>
@@ -3858,7 +3864,7 @@
       </p:sp>
       <p:pic>
         <p:nvPicPr>
-          <p:cNvPr id="11" name="Picture 1" descr="IMG_256"/>
+          <p:cNvPr id="4" name="Picture 1" descr="IMG_256"/>
           <p:cNvPicPr>
             <a:picLocks noChangeAspect="1"/>
           </p:cNvPicPr>
@@ -3866,7 +3872,20 @@
         </p:nvPicPr>
         <p:blipFill>
           <a:blip r:embed="rId4">
-            <a:lum bright="-6000"/>
+            <a:clrChange>
+              <a:clrFrom>
+                <a:srgbClr val="F8FFFF">
+                  <a:alpha val="100000"/>
+                </a:srgbClr>
+              </a:clrFrom>
+              <a:clrTo>
+                <a:srgbClr val="F8FFFF">
+                  <a:alpha val="100000"/>
+                  <a:alpha val="0"/>
+                </a:srgbClr>
+              </a:clrTo>
+            </a:clrChange>
+            <a:lum bright="-24000"/>
           </a:blip>
           <a:stretch>
             <a:fillRect/>
@@ -3874,8 +3893,8 @@
         </p:blipFill>
         <p:spPr>
           <a:xfrm>
-            <a:off x="1536065" y="1744345"/>
-            <a:ext cx="2879725" cy="4405630"/>
+            <a:off x="2044700" y="1727200"/>
+            <a:ext cx="9296400" cy="3935730"/>
           </a:xfrm>
           <a:prstGeom prst="rect">
             <a:avLst/>
@@ -3886,42 +3905,6 @@
           </a:ln>
         </p:spPr>
       </p:pic>
-      <p:sp>
-        <p:nvSpPr>
-          <p:cNvPr id="3" name="Text Box 2"/>
-          <p:cNvSpPr txBox="1"/>
-          <p:nvPr/>
-        </p:nvSpPr>
-        <p:spPr>
-          <a:xfrm>
-            <a:off x="4617720" y="3539490"/>
-            <a:ext cx="5080000" cy="645160"/>
-          </a:xfrm>
-          <a:prstGeom prst="rect">
-            <a:avLst/>
-          </a:prstGeom>
-          <a:noFill/>
-          <a:ln w="9525">
-            <a:noFill/>
-          </a:ln>
-        </p:spPr>
-        <p:txBody>
-          <a:bodyPr>
-            <a:spAutoFit/>
-          </a:bodyPr>
-          <a:p>
-            <a:pPr marL="0" indent="0"/>
-            <a:r>
-              <a:rPr lang="en-US" b="0">
-                <a:latin typeface="Calibri" charset="0"/>
-                <a:cs typeface="SimSun" charset="0"/>
-              </a:rPr>
-              <a:t>Double-click on the tblProjects and close the Show dialog box</a:t>
-            </a:r>
-            <a:endParaRPr lang="en-US"/>
-          </a:p>
-        </p:txBody>
-      </p:sp>
     </p:spTree>
   </p:cSld>
   <p:clrMapOvr>
@@ -4167,7 +4150,7 @@
                   </a:outerShdw>
                 </a:effectLst>
               </a:rPr>
-              <a:t>Example</a:t>
+              <a:t>Defining Relationships</a:t>
             </a:r>
             <a:endParaRPr lang="en-US" altLang="en-US" sz="4000">
               <a:solidFill>
@@ -4184,26 +4167,63 @@
           </a:p>
         </p:txBody>
       </p:sp>
+      <p:sp>
+        <p:nvSpPr>
+          <p:cNvPr id="100" name="Text Box 99"/>
+          <p:cNvSpPr txBox="1"/>
+          <p:nvPr/>
+        </p:nvSpPr>
+        <p:spPr>
+          <a:xfrm>
+            <a:off x="1570355" y="4251325"/>
+            <a:ext cx="7094855" cy="1014730"/>
+          </a:xfrm>
+          <a:prstGeom prst="rect">
+            <a:avLst/>
+          </a:prstGeom>
+          <a:noFill/>
+          <a:ln w="9525">
+            <a:noFill/>
+          </a:ln>
+        </p:spPr>
+        <p:txBody>
+          <a:bodyPr wrap="square">
+            <a:spAutoFit/>
+          </a:bodyPr>
+          <a:p>
+            <a:pPr marL="0" indent="0"/>
+            <a:r>
+              <a:rPr lang="en-US" sz="2000" b="0">
+                <a:latin typeface="Calibri" charset="0"/>
+                <a:cs typeface="SimSun" charset="0"/>
+              </a:rPr>
+              <a:t>the relationship matches the primary key from one table, which provides a unique identifier for each row, with an entry in the foreign key in the other table</a:t>
+            </a:r>
+            <a:endParaRPr lang="en-US" sz="2000" b="0">
+              <a:latin typeface="Calibri" charset="0"/>
+              <a:cs typeface="SimSun" charset="0"/>
+            </a:endParaRPr>
+          </a:p>
+        </p:txBody>
+      </p:sp>
       <p:pic>
         <p:nvPicPr>
-          <p:cNvPr id="4" name="Picture 2" descr="IMG_257"/>
+          <p:cNvPr id="7" name="Picture 4" descr="IMG_256"/>
           <p:cNvPicPr>
             <a:picLocks noChangeAspect="1"/>
           </p:cNvPicPr>
           <p:nvPr/>
         </p:nvPicPr>
         <p:blipFill>
-          <a:blip r:embed="rId4">
-            <a:lum bright="-6000"/>
-          </a:blip>
+          <a:blip r:embed="rId4"/>
           <a:stretch>
             <a:fillRect/>
           </a:stretch>
         </p:blipFill>
         <p:spPr>
           <a:xfrm>
-            <a:off x="1113790" y="1899285"/>
-            <a:ext cx="5715000" cy="3886200"/>
+            <a:off x="2312670" y="1602105"/>
+            <a:ext cx="6531610" cy="2330450"/>
           </a:xfrm>
           <a:prstGeom prst="rect">
             <a:avLst/>
@@ -4459,7 +4479,7 @@
                   </a:outerShdw>
                 </a:effectLst>
               </a:rPr>
-              <a:t>Example</a:t>
+              <a:t>One-to-Many Relationships</a:t>
             </a:r>
             <a:endParaRPr lang="en-US" altLang="en-US" sz="4000">
               <a:solidFill>
@@ -4478,7 +4498,7 @@
       </p:sp>
       <p:pic>
         <p:nvPicPr>
-          <p:cNvPr id="3" name="Picture 3" descr="IMG_258"/>
+          <p:cNvPr id="8" name="Picture 5" descr="IMG_256"/>
           <p:cNvPicPr>
             <a:picLocks noChangeAspect="1"/>
           </p:cNvPicPr>
@@ -4486,7 +4506,20 @@
         </p:nvPicPr>
         <p:blipFill>
           <a:blip r:embed="rId4">
-            <a:lum bright="-6000"/>
+            <a:clrChange>
+              <a:clrFrom>
+                <a:srgbClr val="EBEFF2">
+                  <a:alpha val="100000"/>
+                </a:srgbClr>
+              </a:clrFrom>
+              <a:clrTo>
+                <a:srgbClr val="EBEFF2">
+                  <a:alpha val="100000"/>
+                  <a:alpha val="0"/>
+                </a:srgbClr>
+              </a:clrTo>
+            </a:clrChange>
+            <a:lum bright="-24000"/>
           </a:blip>
           <a:stretch>
             <a:fillRect/>
@@ -4494,8 +4527,8 @@
         </p:blipFill>
         <p:spPr>
           <a:xfrm>
-            <a:off x="440690" y="2333943"/>
-            <a:ext cx="5715000" cy="3133725"/>
+            <a:off x="440690" y="2331085"/>
+            <a:ext cx="4892040" cy="2749550"/>
           </a:xfrm>
           <a:prstGeom prst="rect">
             <a:avLst/>
@@ -4508,14 +4541,14 @@
       </p:pic>
       <p:sp>
         <p:nvSpPr>
-          <p:cNvPr id="100" name="Text Box 99"/>
+          <p:cNvPr id="3" name="Text Box 2"/>
           <p:cNvSpPr txBox="1"/>
           <p:nvPr/>
         </p:nvSpPr>
         <p:spPr>
           <a:xfrm>
-            <a:off x="6322695" y="3335020"/>
-            <a:ext cx="5080000" cy="922020"/>
+            <a:off x="6134100" y="3159125"/>
+            <a:ext cx="5981065" cy="1568450"/>
           </a:xfrm>
           <a:prstGeom prst="rect">
             <a:avLst/>
@@ -4526,19 +4559,22 @@
           </a:ln>
         </p:spPr>
         <p:txBody>
-          <a:bodyPr>
+          <a:bodyPr wrap="square">
             <a:spAutoFit/>
           </a:bodyPr>
           <a:p>
             <a:pPr marL="0" indent="0"/>
             <a:r>
-              <a:rPr lang="en-US" b="0">
+              <a:rPr lang="en-US" sz="2400" b="0">
                 <a:latin typeface="Calibri" charset="0"/>
                 <a:cs typeface="SimSun" charset="0"/>
               </a:rPr>
-              <a:t>Select the field you want to see as a query result as shown in the following screenshot</a:t>
-            </a:r>
-            <a:endParaRPr lang="en-US"/>
+              <a:t>a row in table A can have many matching rows in table B, but a row in table B can have only one matching row in table A</a:t>
+            </a:r>
+            <a:endParaRPr lang="en-US" sz="2400" b="0">
+              <a:latin typeface="Calibri" charset="0"/>
+              <a:cs typeface="SimSun" charset="0"/>
+            </a:endParaRPr>
           </a:p>
         </p:txBody>
       </p:sp>
@@ -4762,7 +4798,7 @@
         <p:spPr>
           <a:xfrm>
             <a:off x="2044700" y="317500"/>
-            <a:ext cx="7068185" cy="706755"/>
+            <a:ext cx="7068185" cy="645160"/>
           </a:xfrm>
           <a:prstGeom prst="rect">
             <a:avLst/>
@@ -4775,7 +4811,7 @@
           </a:bodyPr>
           <a:p>
             <a:r>
-              <a:rPr lang="en-US" altLang="en-US" sz="4000">
+              <a:rPr lang="en-US" altLang="en-US" sz="3600">
                 <a:solidFill>
                   <a:schemeClr val="bg1"/>
                 </a:solidFill>
@@ -4787,9 +4823,9 @@
                   </a:outerShdw>
                 </a:effectLst>
               </a:rPr>
-              <a:t>Example</a:t>
-            </a:r>
-            <a:endParaRPr lang="en-US" altLang="en-US" sz="4000">
+              <a:t>Many-to-Many Relationships</a:t>
+            </a:r>
+            <a:endParaRPr lang="en-US" altLang="en-US" sz="3600">
               <a:solidFill>
                 <a:schemeClr val="bg1"/>
               </a:solidFill>
@@ -4806,14 +4842,14 @@
       </p:sp>
       <p:sp>
         <p:nvSpPr>
-          <p:cNvPr id="100" name="Text Box 99"/>
+          <p:cNvPr id="3" name="Text Box 2"/>
           <p:cNvSpPr txBox="1"/>
           <p:nvPr/>
         </p:nvSpPr>
         <p:spPr>
           <a:xfrm>
-            <a:off x="6677025" y="2548255"/>
-            <a:ext cx="5080000" cy="645160"/>
+            <a:off x="3131820" y="4559935"/>
+            <a:ext cx="5981065" cy="1568450"/>
           </a:xfrm>
           <a:prstGeom prst="rect">
             <a:avLst/>
@@ -4824,22 +4860,28 @@
           </a:ln>
         </p:spPr>
         <p:txBody>
-          <a:bodyPr>
+          <a:bodyPr wrap="square">
             <a:spAutoFit/>
           </a:bodyPr>
           <a:p>
             <a:pPr marL="0" indent="0"/>
             <a:r>
-              <a:rPr lang="en-US"/>
-              <a:t>run your query and you will see the following prompt</a:t>
-            </a:r>
-            <a:endParaRPr lang="en-US"/>
+              <a:rPr lang="en-US" sz="3200" b="0">
+                <a:latin typeface="Calibri" charset="0"/>
+                <a:cs typeface="SimSun" charset="0"/>
+              </a:rPr>
+              <a:t>a row in table A can have many matching rows in table B, and vice versa</a:t>
+            </a:r>
+            <a:endParaRPr lang="en-US" sz="3200" b="0">
+              <a:latin typeface="Calibri" charset="0"/>
+              <a:cs typeface="SimSun" charset="0"/>
+            </a:endParaRPr>
           </a:p>
         </p:txBody>
       </p:sp>
       <p:pic>
         <p:nvPicPr>
-          <p:cNvPr id="7" name="Picture 4" descr="IMG_259"/>
+          <p:cNvPr id="4" name="Picture 6" descr="IMG_256"/>
           <p:cNvPicPr>
             <a:picLocks noChangeAspect="1"/>
           </p:cNvPicPr>
@@ -4847,46 +4889,30 @@
         </p:nvPicPr>
         <p:blipFill>
           <a:blip r:embed="rId4">
+            <a:clrChange>
+              <a:clrFrom>
+                <a:srgbClr val="DEDEE8">
+                  <a:alpha val="100000"/>
+                </a:srgbClr>
+              </a:clrFrom>
+              <a:clrTo>
+                <a:srgbClr val="DEDEE8">
+                  <a:alpha val="100000"/>
+                  <a:alpha val="0"/>
+                </a:srgbClr>
+              </a:clrTo>
+            </a:clrChange>
             <a:lum bright="-6000"/>
           </a:blip>
+          <a:srcRect t="19830" b="11690"/>
           <a:stretch>
             <a:fillRect/>
           </a:stretch>
         </p:blipFill>
         <p:spPr>
           <a:xfrm>
-            <a:off x="440690" y="1691958"/>
-            <a:ext cx="5715000" cy="3133725"/>
-          </a:xfrm>
-          <a:prstGeom prst="rect">
-            <a:avLst/>
-          </a:prstGeom>
-          <a:noFill/>
-          <a:ln w="9525">
-            <a:noFill/>
-          </a:ln>
-        </p:spPr>
-      </p:pic>
-      <p:pic>
-        <p:nvPicPr>
-          <p:cNvPr id="8" name="Picture 5" descr="IMG_260"/>
-          <p:cNvPicPr>
-            <a:picLocks noChangeAspect="1"/>
-          </p:cNvPicPr>
-          <p:nvPr/>
-        </p:nvPicPr>
-        <p:blipFill>
-          <a:blip r:embed="rId5">
-            <a:lum bright="-6000"/>
-          </a:blip>
-          <a:stretch>
-            <a:fillRect/>
-          </a:stretch>
-        </p:blipFill>
-        <p:spPr>
-          <a:xfrm>
-            <a:off x="7477760" y="3427730"/>
-            <a:ext cx="3320415" cy="1738630"/>
+            <a:off x="1196975" y="1836420"/>
+            <a:ext cx="7915910" cy="2302510"/>
           </a:xfrm>
           <a:prstGeom prst="rect">
             <a:avLst/>
@@ -5117,7 +5143,7 @@
         <p:spPr>
           <a:xfrm>
             <a:off x="2044700" y="317500"/>
-            <a:ext cx="7068185" cy="706755"/>
+            <a:ext cx="7068185" cy="645160"/>
           </a:xfrm>
           <a:prstGeom prst="rect">
             <a:avLst/>
@@ -5130,7 +5156,7 @@
           </a:bodyPr>
           <a:p>
             <a:r>
-              <a:rPr lang="en-US" altLang="en-US" sz="4000">
+              <a:rPr lang="en-US" altLang="en-US" sz="3600">
                 <a:solidFill>
                   <a:schemeClr val="bg1"/>
                 </a:solidFill>
@@ -5142,9 +5168,9 @@
                   </a:outerShdw>
                 </a:effectLst>
               </a:rPr>
-              <a:t>Example</a:t>
-            </a:r>
-            <a:endParaRPr lang="en-US" altLang="en-US" sz="4000">
+              <a:t>One-to-One Relationships</a:t>
+            </a:r>
+            <a:endParaRPr lang="en-US" altLang="en-US" sz="3600">
               <a:solidFill>
                 <a:schemeClr val="bg1"/>
               </a:solidFill>
@@ -5159,16 +5185,40 @@
           </a:p>
         </p:txBody>
       </p:sp>
-      <p:sp>
-        <p:nvSpPr>
-          <p:cNvPr id="100" name="Text Box 99"/>
-          <p:cNvSpPr txBox="1"/>
+      <p:pic>
+        <p:nvPicPr>
+          <p:cNvPr id="7" name="Picture 7" descr="IMG_256"/>
+          <p:cNvPicPr>
+            <a:picLocks noChangeAspect="1"/>
+          </p:cNvPicPr>
           <p:nvPr/>
-        </p:nvSpPr>
-        <p:spPr>
-          <a:xfrm>
-            <a:off x="6677025" y="2548255"/>
-            <a:ext cx="5080000" cy="645160"/>
+        </p:nvPicPr>
+        <p:blipFill>
+          <a:blip r:embed="rId4">
+            <a:clrChange>
+              <a:clrFrom>
+                <a:srgbClr val="FDFDFD">
+                  <a:alpha val="100000"/>
+                </a:srgbClr>
+              </a:clrFrom>
+              <a:clrTo>
+                <a:srgbClr val="FDFDFD">
+                  <a:alpha val="100000"/>
+                  <a:alpha val="0"/>
+                </a:srgbClr>
+              </a:clrTo>
+            </a:clrChange>
+            <a:lum bright="-6000"/>
+          </a:blip>
+          <a:srcRect t="548" r="11380" b="16204"/>
+          <a:stretch>
+            <a:fillRect/>
+          </a:stretch>
+        </p:blipFill>
+        <p:spPr>
+          <a:xfrm>
+            <a:off x="-739775" y="1751965"/>
+            <a:ext cx="7778115" cy="4107180"/>
           </a:xfrm>
           <a:prstGeom prst="rect">
             <a:avLst/>
@@ -5178,40 +5228,17 @@
             <a:noFill/>
           </a:ln>
         </p:spPr>
-        <p:txBody>
-          <a:bodyPr>
-            <a:spAutoFit/>
-          </a:bodyPr>
-          <a:p>
-            <a:pPr marL="0" indent="0"/>
-            <a:r>
-              <a:rPr lang="en-US"/>
-              <a:t>run your query and you will see the following prompt</a:t>
-            </a:r>
-            <a:endParaRPr lang="en-US"/>
-          </a:p>
-        </p:txBody>
-      </p:sp>
-      <p:pic>
-        <p:nvPicPr>
-          <p:cNvPr id="7" name="Picture 4" descr="IMG_259"/>
-          <p:cNvPicPr>
-            <a:picLocks noChangeAspect="1"/>
-          </p:cNvPicPr>
+      </p:pic>
+      <p:sp>
+        <p:nvSpPr>
+          <p:cNvPr id="100" name="Text Box 99"/>
+          <p:cNvSpPr txBox="1"/>
           <p:nvPr/>
-        </p:nvPicPr>
-        <p:blipFill>
-          <a:blip r:embed="rId4">
-            <a:lum bright="-6000"/>
-          </a:blip>
-          <a:stretch>
-            <a:fillRect/>
-          </a:stretch>
-        </p:blipFill>
-        <p:spPr>
-          <a:xfrm>
-            <a:off x="440690" y="1691958"/>
-            <a:ext cx="5715000" cy="3133725"/>
+        </p:nvSpPr>
+        <p:spPr>
+          <a:xfrm>
+            <a:off x="8106410" y="2528570"/>
+            <a:ext cx="3191510" cy="2553335"/>
           </a:xfrm>
           <a:prstGeom prst="rect">
             <a:avLst/>
@@ -5221,37 +5248,26 @@
             <a:noFill/>
           </a:ln>
         </p:spPr>
-      </p:pic>
-      <p:pic>
-        <p:nvPicPr>
-          <p:cNvPr id="8" name="Picture 5" descr="IMG_260"/>
-          <p:cNvPicPr>
-            <a:picLocks noChangeAspect="1"/>
-          </p:cNvPicPr>
-          <p:nvPr/>
-        </p:nvPicPr>
-        <p:blipFill>
-          <a:blip r:embed="rId5">
-            <a:lum bright="-6000"/>
-          </a:blip>
-          <a:stretch>
-            <a:fillRect/>
-          </a:stretch>
-        </p:blipFill>
-        <p:spPr>
-          <a:xfrm>
-            <a:off x="7477760" y="3427730"/>
-            <a:ext cx="3320415" cy="1738630"/>
-          </a:xfrm>
-          <a:prstGeom prst="rect">
-            <a:avLst/>
-          </a:prstGeom>
-          <a:noFill/>
-          <a:ln w="9525">
-            <a:noFill/>
-          </a:ln>
-        </p:spPr>
-      </p:pic>
+        <p:txBody>
+          <a:bodyPr wrap="square">
+            <a:spAutoFit/>
+          </a:bodyPr>
+          <a:p>
+            <a:pPr marL="0" indent="0"/>
+            <a:r>
+              <a:rPr lang="en-US" sz="3200" b="0">
+                <a:latin typeface="Calibri" charset="0"/>
+                <a:cs typeface="SimSun" charset="0"/>
+              </a:rPr>
+              <a:t>a row in table A can have no more than one matching row in table B</a:t>
+            </a:r>
+            <a:endParaRPr lang="en-US" altLang="en-US" sz="3200" b="0">
+              <a:latin typeface="Calibri" charset="0"/>
+              <a:cs typeface="SimSun" charset="0"/>
+            </a:endParaRPr>
+          </a:p>
+        </p:txBody>
+      </p:sp>
     </p:spTree>
   </p:cSld>
   <p:clrMapOvr>
@@ -5261,307 +5277,6 @@
 </file>
 
 <file path=ppt/slides/slide8.xml><?xml version="1.0" encoding="utf-8"?>
-<p:sld xmlns:a="http://schemas.openxmlformats.org/drawingml/2006/main" xmlns:r="http://schemas.openxmlformats.org/officeDocument/2006/relationships" xmlns:p="http://schemas.openxmlformats.org/presentationml/2006/main">
-  <p:cSld>
-    <p:bg>
-      <p:bgPr>
-        <a:gradFill rotWithShape="0">
-          <a:gsLst>
-            <a:gs pos="0">
-              <a:srgbClr val="00B050"/>
-            </a:gs>
-            <a:gs pos="100000">
-              <a:schemeClr val="bg1">
-                <a:lumMod val="65000"/>
-              </a:schemeClr>
-            </a:gs>
-          </a:gsLst>
-          <a:lin ang="17280000" scaled="0"/>
-        </a:gradFill>
-        <a:effectLst/>
-      </p:bgPr>
-    </p:bg>
-    <p:spTree>
-      <p:nvGrpSpPr>
-        <p:cNvPr id="1" name=""/>
-        <p:cNvGrpSpPr/>
-        <p:nvPr/>
-      </p:nvGrpSpPr>
-      <p:grpSpPr/>
-      <p:pic>
-        <p:nvPicPr>
-          <p:cNvPr id="5" name="Picture 4" descr="United TrusT Logo"/>
-          <p:cNvPicPr>
-            <a:picLocks noChangeAspect="1"/>
-          </p:cNvPicPr>
-          <p:nvPr/>
-        </p:nvPicPr>
-        <p:blipFill>
-          <a:blip r:embed="rId1"/>
-          <a:stretch>
-            <a:fillRect/>
-          </a:stretch>
-        </p:blipFill>
-        <p:spPr>
-          <a:xfrm>
-            <a:off x="108585" y="6128385"/>
-            <a:ext cx="1650365" cy="634365"/>
-          </a:xfrm>
-          <a:prstGeom prst="rect">
-            <a:avLst/>
-          </a:prstGeom>
-        </p:spPr>
-      </p:pic>
-      <p:pic>
-        <p:nvPicPr>
-          <p:cNvPr id="6" name="Picture 5" descr="bdedu_logo"/>
-          <p:cNvPicPr>
-            <a:picLocks noChangeAspect="1"/>
-          </p:cNvPicPr>
-          <p:nvPr/>
-        </p:nvPicPr>
-        <p:blipFill>
-          <a:blip r:embed="rId2"/>
-          <a:stretch>
-            <a:fillRect/>
-          </a:stretch>
-        </p:blipFill>
-        <p:spPr>
-          <a:xfrm>
-            <a:off x="9421495" y="6061710"/>
-            <a:ext cx="2693670" cy="701040"/>
-          </a:xfrm>
-          <a:prstGeom prst="rect">
-            <a:avLst/>
-          </a:prstGeom>
-        </p:spPr>
-      </p:pic>
-      <p:sp>
-        <p:nvSpPr>
-          <p:cNvPr id="10" name="Freeform 9"/>
-          <p:cNvSpPr/>
-          <p:nvPr/>
-        </p:nvSpPr>
-        <p:spPr>
-          <a:xfrm>
-            <a:off x="440690" y="120650"/>
-            <a:ext cx="9353550" cy="1162050"/>
-          </a:xfrm>
-          <a:custGeom>
-            <a:avLst/>
-            <a:gdLst>
-              <a:gd name="connsiteX0" fmla="*/ 0 w 14730"/>
-              <a:gd name="connsiteY0" fmla="*/ 0 h 1830"/>
-              <a:gd name="connsiteX1" fmla="*/ 13869 w 14730"/>
-              <a:gd name="connsiteY1" fmla="*/ 60 h 1830"/>
-              <a:gd name="connsiteX2" fmla="*/ 14730 w 14730"/>
-              <a:gd name="connsiteY2" fmla="*/ 1830 h 1830"/>
-              <a:gd name="connsiteX3" fmla="*/ 0 w 14730"/>
-              <a:gd name="connsiteY3" fmla="*/ 1830 h 1830"/>
-              <a:gd name="connsiteX4" fmla="*/ 0 w 14730"/>
-              <a:gd name="connsiteY4" fmla="*/ 0 h 1830"/>
-            </a:gdLst>
-            <a:ahLst/>
-            <a:cxnLst>
-              <a:cxn ang="0">
-                <a:pos x="connsiteX0" y="connsiteY0"/>
-              </a:cxn>
-              <a:cxn ang="0">
-                <a:pos x="connsiteX1" y="connsiteY1"/>
-              </a:cxn>
-              <a:cxn ang="0">
-                <a:pos x="connsiteX2" y="connsiteY2"/>
-              </a:cxn>
-              <a:cxn ang="0">
-                <a:pos x="connsiteX3" y="connsiteY3"/>
-              </a:cxn>
-              <a:cxn ang="0">
-                <a:pos x="connsiteX4" y="connsiteY4"/>
-              </a:cxn>
-            </a:cxnLst>
-            <a:rect l="l" t="t" r="r" b="b"/>
-            <a:pathLst>
-              <a:path w="14730" h="1830">
-                <a:moveTo>
-                  <a:pt x="0" y="0"/>
-                </a:moveTo>
-                <a:lnTo>
-                  <a:pt x="13869" y="60"/>
-                </a:lnTo>
-                <a:lnTo>
-                  <a:pt x="14730" y="1830"/>
-                </a:lnTo>
-                <a:lnTo>
-                  <a:pt x="0" y="1830"/>
-                </a:lnTo>
-                <a:lnTo>
-                  <a:pt x="0" y="0"/>
-                </a:lnTo>
-                <a:close/>
-              </a:path>
-            </a:pathLst>
-          </a:custGeom>
-          <a:solidFill>
-            <a:schemeClr val="tx2">
-              <a:lumMod val="75000"/>
-              <a:lumOff val="25000"/>
-            </a:schemeClr>
-          </a:solidFill>
-          <a:ln>
-            <a:solidFill>
-              <a:schemeClr val="bg1">
-                <a:alpha val="88000"/>
-              </a:schemeClr>
-            </a:solidFill>
-          </a:ln>
-        </p:spPr>
-        <p:style>
-          <a:lnRef idx="2">
-            <a:schemeClr val="accent1">
-              <a:shade val="50000"/>
-            </a:schemeClr>
-          </a:lnRef>
-          <a:fillRef idx="1">
-            <a:schemeClr val="accent1"/>
-          </a:fillRef>
-          <a:effectRef idx="0">
-            <a:schemeClr val="accent1"/>
-          </a:effectRef>
-          <a:fontRef idx="minor">
-            <a:schemeClr val="lt1"/>
-          </a:fontRef>
-        </p:style>
-        <p:txBody>
-          <a:bodyPr rtlCol="0" anchor="ctr"/>
-          <a:p>
-            <a:pPr algn="ctr"/>
-            <a:endParaRPr lang="en-US"/>
-          </a:p>
-        </p:txBody>
-      </p:sp>
-      <p:pic>
-        <p:nvPicPr>
-          <p:cNvPr id="9" name="Picture 8"/>
-          <p:cNvPicPr>
-            <a:picLocks noChangeAspect="1"/>
-          </p:cNvPicPr>
-          <p:nvPr/>
-        </p:nvPicPr>
-        <p:blipFill>
-          <a:blip r:embed="rId3"/>
-          <a:stretch>
-            <a:fillRect/>
-          </a:stretch>
-        </p:blipFill>
-        <p:spPr>
-          <a:xfrm rot="3600000">
-            <a:off x="-43815" y="-106680"/>
-            <a:ext cx="1765300" cy="1765300"/>
-          </a:xfrm>
-          <a:prstGeom prst="rect">
-            <a:avLst/>
-          </a:prstGeom>
-        </p:spPr>
-      </p:pic>
-      <p:sp>
-        <p:nvSpPr>
-          <p:cNvPr id="2" name="Text Box 1"/>
-          <p:cNvSpPr txBox="1"/>
-          <p:nvPr/>
-        </p:nvSpPr>
-        <p:spPr>
-          <a:xfrm>
-            <a:off x="2044700" y="317500"/>
-            <a:ext cx="7068185" cy="706755"/>
-          </a:xfrm>
-          <a:prstGeom prst="rect">
-            <a:avLst/>
-          </a:prstGeom>
-          <a:noFill/>
-        </p:spPr>
-        <p:txBody>
-          <a:bodyPr wrap="square" rtlCol="0">
-            <a:spAutoFit/>
-          </a:bodyPr>
-          <a:p>
-            <a:r>
-              <a:rPr lang="en-US" altLang="en-US" sz="4000">
-                <a:solidFill>
-                  <a:schemeClr val="bg1"/>
-                </a:solidFill>
-                <a:effectLst>
-                  <a:outerShdw blurRad="38100" dist="19050" dir="2700000" algn="tl" rotWithShape="0">
-                    <a:schemeClr val="dk1">
-                      <a:alpha val="40000"/>
-                    </a:schemeClr>
-                  </a:outerShdw>
-                </a:effectLst>
-              </a:rPr>
-              <a:t>Alternate Criteria</a:t>
-            </a:r>
-            <a:endParaRPr lang="en-US" altLang="en-US" sz="4000">
-              <a:solidFill>
-                <a:schemeClr val="bg1"/>
-              </a:solidFill>
-              <a:effectLst>
-                <a:outerShdw blurRad="38100" dist="19050" dir="2700000" algn="tl" rotWithShape="0">
-                  <a:schemeClr val="dk1">
-                    <a:alpha val="40000"/>
-                  </a:schemeClr>
-                </a:outerShdw>
-              </a:effectLst>
-            </a:endParaRPr>
-          </a:p>
-        </p:txBody>
-      </p:sp>
-      <p:sp>
-        <p:nvSpPr>
-          <p:cNvPr id="3" name="Text Box 2"/>
-          <p:cNvSpPr txBox="1"/>
-          <p:nvPr/>
-        </p:nvSpPr>
-        <p:spPr>
-          <a:xfrm>
-            <a:off x="2314575" y="3268980"/>
-            <a:ext cx="7479665" cy="1198880"/>
-          </a:xfrm>
-          <a:prstGeom prst="rect">
-            <a:avLst/>
-          </a:prstGeom>
-          <a:noFill/>
-          <a:ln w="9525">
-            <a:noFill/>
-          </a:ln>
-        </p:spPr>
-        <p:txBody>
-          <a:bodyPr wrap="square">
-            <a:spAutoFit/>
-          </a:bodyPr>
-          <a:p>
-            <a:pPr marL="0" indent="0"/>
-            <a:r>
-              <a:rPr lang="en-US" sz="2400" b="0">
-                <a:latin typeface="Calibri" charset="0"/>
-                <a:cs typeface="SimSun" charset="0"/>
-              </a:rPr>
-              <a:t>You can save and run the same query again and again, and a lot of times you want to add alternate criteria</a:t>
-            </a:r>
-            <a:endParaRPr lang="en-US" sz="2400" b="0">
-              <a:latin typeface="Calibri" charset="0"/>
-              <a:cs typeface="SimSun" charset="0"/>
-            </a:endParaRPr>
-          </a:p>
-        </p:txBody>
-      </p:sp>
-    </p:spTree>
-  </p:cSld>
-  <p:clrMapOvr>
-    <a:masterClrMapping/>
-  </p:clrMapOvr>
-</p:sld>
-</file>
-
-<file path=ppt/slides/slide9.xml><?xml version="1.0" encoding="utf-8"?>
 <p:sld xmlns:a="http://schemas.openxmlformats.org/drawingml/2006/main" xmlns:r="http://schemas.openxmlformats.org/officeDocument/2006/relationships" xmlns:p="http://schemas.openxmlformats.org/presentationml/2006/main">
   <p:cSld>
     <p:bg>
@@ -5620,7 +5335,7 @@
         </p:blipFill>
         <p:spPr>
           <a:xfrm rot="21060000">
-            <a:off x="6033135" y="1033145"/>
+            <a:off x="2980690" y="1087755"/>
             <a:ext cx="4634865" cy="4244340"/>
           </a:xfrm>
           <a:prstGeom prst="rect">
@@ -5692,7 +5407,7 @@
         </p:blipFill>
         <p:spPr>
           <a:xfrm>
-            <a:off x="5838190" y="272415"/>
+            <a:off x="3094355" y="362585"/>
             <a:ext cx="5765800" cy="5765800"/>
           </a:xfrm>
           <a:prstGeom prst="rect">
